--- a/Presentations/FirstPresentation.pptx
+++ b/Presentations/FirstPresentation.pptx
@@ -9,8 +9,9 @@
     <p:sldId id="257" r:id="rId3"/>
     <p:sldId id="258" r:id="rId4"/>
     <p:sldId id="259" r:id="rId5"/>
-    <p:sldId id="260" r:id="rId6"/>
-    <p:sldId id="261" r:id="rId7"/>
+    <p:sldId id="262" r:id="rId6"/>
+    <p:sldId id="260" r:id="rId7"/>
+    <p:sldId id="261" r:id="rId8"/>
   </p:sldIdLst>
   <p:sldSz cx="12192000" cy="6858000"/>
   <p:notesSz cx="6858000" cy="9144000"/>
@@ -109,6 +110,11 @@
       </a:defRPr>
     </a:lvl9pPr>
   </p:defaultTextStyle>
+  <p:extLst>
+    <p:ext uri="{EFAFB233-063F-42B5-8137-9DF3F51BA10A}">
+      <p15:sldGuideLst xmlns:p15="http://schemas.microsoft.com/office/powerpoint/2012/main"/>
+    </p:ext>
+  </p:extLst>
 </p:presentation>
 </file>
 
@@ -297,7 +303,7 @@
           <a:p>
             <a:fld id="{F02C4AD4-9C46-413F-8D3A-4491AD03D78E}" type="datetimeFigureOut">
               <a:rPr lang="en-GB" smtClean="0"/>
-              <a:t>31/01/2017</a:t>
+              <a:t>01/02/2017</a:t>
             </a:fld>
             <a:endParaRPr lang="en-GB"/>
           </a:p>
@@ -600,7 +606,7 @@
           <a:p>
             <a:fld id="{F02C4AD4-9C46-413F-8D3A-4491AD03D78E}" type="datetimeFigureOut">
               <a:rPr lang="en-GB" smtClean="0"/>
-              <a:t>31/01/2017</a:t>
+              <a:t>01/02/2017</a:t>
             </a:fld>
             <a:endParaRPr lang="en-GB"/>
           </a:p>
@@ -792,7 +798,7 @@
           <a:p>
             <a:fld id="{F02C4AD4-9C46-413F-8D3A-4491AD03D78E}" type="datetimeFigureOut">
               <a:rPr lang="en-GB" smtClean="0"/>
-              <a:t>31/01/2017</a:t>
+              <a:t>01/02/2017</a:t>
             </a:fld>
             <a:endParaRPr lang="en-GB"/>
           </a:p>
@@ -1053,7 +1059,7 @@
           <a:p>
             <a:fld id="{F02C4AD4-9C46-413F-8D3A-4491AD03D78E}" type="datetimeFigureOut">
               <a:rPr lang="en-GB" smtClean="0"/>
-              <a:t>31/01/2017</a:t>
+              <a:t>01/02/2017</a:t>
             </a:fld>
             <a:endParaRPr lang="en-GB"/>
           </a:p>
@@ -1477,7 +1483,7 @@
           <a:p>
             <a:fld id="{F02C4AD4-9C46-413F-8D3A-4491AD03D78E}" type="datetimeFigureOut">
               <a:rPr lang="en-GB" smtClean="0"/>
-              <a:t>31/01/2017</a:t>
+              <a:t>01/02/2017</a:t>
             </a:fld>
             <a:endParaRPr lang="en-GB"/>
           </a:p>
@@ -2014,7 +2020,7 @@
           <a:p>
             <a:fld id="{F02C4AD4-9C46-413F-8D3A-4491AD03D78E}" type="datetimeFigureOut">
               <a:rPr lang="en-GB" smtClean="0"/>
-              <a:t>31/01/2017</a:t>
+              <a:t>01/02/2017</a:t>
             </a:fld>
             <a:endParaRPr lang="en-GB"/>
           </a:p>
@@ -2878,7 +2884,7 @@
           <a:p>
             <a:fld id="{F02C4AD4-9C46-413F-8D3A-4491AD03D78E}" type="datetimeFigureOut">
               <a:rPr lang="en-GB" smtClean="0"/>
-              <a:t>31/01/2017</a:t>
+              <a:t>01/02/2017</a:t>
             </a:fld>
             <a:endParaRPr lang="en-GB"/>
           </a:p>
@@ -3048,7 +3054,7 @@
           <a:p>
             <a:fld id="{F02C4AD4-9C46-413F-8D3A-4491AD03D78E}" type="datetimeFigureOut">
               <a:rPr lang="en-GB" smtClean="0"/>
-              <a:t>31/01/2017</a:t>
+              <a:t>01/02/2017</a:t>
             </a:fld>
             <a:endParaRPr lang="en-GB"/>
           </a:p>
@@ -3232,7 +3238,7 @@
           <a:p>
             <a:fld id="{F02C4AD4-9C46-413F-8D3A-4491AD03D78E}" type="datetimeFigureOut">
               <a:rPr lang="en-GB" smtClean="0"/>
-              <a:t>31/01/2017</a:t>
+              <a:t>01/02/2017</a:t>
             </a:fld>
             <a:endParaRPr lang="en-GB"/>
           </a:p>
@@ -3407,7 +3413,7 @@
           <a:p>
             <a:fld id="{F02C4AD4-9C46-413F-8D3A-4491AD03D78E}" type="datetimeFigureOut">
               <a:rPr lang="en-GB" smtClean="0"/>
-              <a:t>31/01/2017</a:t>
+              <a:t>01/02/2017</a:t>
             </a:fld>
             <a:endParaRPr lang="en-GB"/>
           </a:p>
@@ -3651,7 +3657,7 @@
           <a:p>
             <a:fld id="{F02C4AD4-9C46-413F-8D3A-4491AD03D78E}" type="datetimeFigureOut">
               <a:rPr lang="en-GB" smtClean="0"/>
-              <a:t>31/01/2017</a:t>
+              <a:t>01/02/2017</a:t>
             </a:fld>
             <a:endParaRPr lang="en-GB"/>
           </a:p>
@@ -3892,7 +3898,7 @@
           <a:p>
             <a:fld id="{F02C4AD4-9C46-413F-8D3A-4491AD03D78E}" type="datetimeFigureOut">
               <a:rPr lang="en-GB" smtClean="0"/>
-              <a:t>31/01/2017</a:t>
+              <a:t>01/02/2017</a:t>
             </a:fld>
             <a:endParaRPr lang="en-GB"/>
           </a:p>
@@ -4358,7 +4364,7 @@
           <a:p>
             <a:fld id="{F02C4AD4-9C46-413F-8D3A-4491AD03D78E}" type="datetimeFigureOut">
               <a:rPr lang="en-GB" smtClean="0"/>
-              <a:t>31/01/2017</a:t>
+              <a:t>01/02/2017</a:t>
             </a:fld>
             <a:endParaRPr lang="en-GB"/>
           </a:p>
@@ -4476,7 +4482,7 @@
           <a:p>
             <a:fld id="{F02C4AD4-9C46-413F-8D3A-4491AD03D78E}" type="datetimeFigureOut">
               <a:rPr lang="en-GB" smtClean="0"/>
-              <a:t>31/01/2017</a:t>
+              <a:t>01/02/2017</a:t>
             </a:fld>
             <a:endParaRPr lang="en-GB"/>
           </a:p>
@@ -4571,7 +4577,7 @@
           <a:p>
             <a:fld id="{F02C4AD4-9C46-413F-8D3A-4491AD03D78E}" type="datetimeFigureOut">
               <a:rPr lang="en-GB" smtClean="0"/>
-              <a:t>31/01/2017</a:t>
+              <a:t>01/02/2017</a:t>
             </a:fld>
             <a:endParaRPr lang="en-GB"/>
           </a:p>
@@ -4826,7 +4832,7 @@
           <a:p>
             <a:fld id="{F02C4AD4-9C46-413F-8D3A-4491AD03D78E}" type="datetimeFigureOut">
               <a:rPr lang="en-GB" smtClean="0"/>
-              <a:t>31/01/2017</a:t>
+              <a:t>01/02/2017</a:t>
             </a:fld>
             <a:endParaRPr lang="en-GB"/>
           </a:p>
@@ -5126,7 +5132,7 @@
           <a:p>
             <a:fld id="{F02C4AD4-9C46-413F-8D3A-4491AD03D78E}" type="datetimeFigureOut">
               <a:rPr lang="en-GB" smtClean="0"/>
-              <a:t>31/01/2017</a:t>
+              <a:t>01/02/2017</a:t>
             </a:fld>
             <a:endParaRPr lang="en-GB"/>
           </a:p>
@@ -5360,7 +5366,7 @@
           <a:p>
             <a:fld id="{F02C4AD4-9C46-413F-8D3A-4491AD03D78E}" type="datetimeFigureOut">
               <a:rPr lang="en-GB" smtClean="0"/>
-              <a:t>31/01/2017</a:t>
+              <a:t>01/02/2017</a:t>
             </a:fld>
             <a:endParaRPr lang="en-GB"/>
           </a:p>
@@ -6446,7 +6452,7 @@
           <a:graphicData uri="http://schemas.openxmlformats.org/presentationml/2006/ole">
             <mc:AlternateContent xmlns:mc="http://schemas.openxmlformats.org/markup-compatibility/2006">
               <mc:Choice xmlns:v="urn:schemas-microsoft-com:vml" Requires="v">
-                <p:oleObj spid="_x0000_s2064" name="Image" r:id="rId3" imgW="5079240" imgH="2856960" progId="Photoshop.Image.13">
+                <p:oleObj spid="_x0000_s2071" name="Image" r:id="rId3" imgW="5079240" imgH="2856960" progId="Photoshop.Image.13">
                   <p:embed/>
                 </p:oleObj>
               </mc:Choice>
@@ -6481,6 +6487,35 @@
           </a:graphicData>
         </a:graphic>
       </p:graphicFrame>
+      <p:sp>
+        <p:nvSpPr>
+          <p:cNvPr id="5" name="TextBox 4"/>
+          <p:cNvSpPr txBox="1"/>
+          <p:nvPr/>
+        </p:nvSpPr>
+        <p:spPr>
+          <a:xfrm>
+            <a:off x="0" y="6492240"/>
+            <a:ext cx="685800" cy="369332"/>
+          </a:xfrm>
+          <a:prstGeom prst="rect">
+            <a:avLst/>
+          </a:prstGeom>
+          <a:noFill/>
+        </p:spPr>
+        <p:txBody>
+          <a:bodyPr wrap="square" rtlCol="0">
+            <a:spAutoFit/>
+          </a:bodyPr>
+          <a:lstStyle/>
+          <a:p>
+            <a:r>
+              <a:rPr lang="en-GB" dirty="0"/>
+              <a:t>CW</a:t>
+            </a:r>
+          </a:p>
+        </p:txBody>
+      </p:sp>
     </p:spTree>
     <p:extLst>
       <p:ext uri="{BB962C8B-B14F-4D97-AF65-F5344CB8AC3E}">
@@ -6564,7 +6599,7 @@
           <a:p>
             <a:r>
               <a:rPr lang="en-GB" dirty="0"/>
-              <a:t>“Fling your balls”</a:t>
+              <a:t>“Fling your balls.”</a:t>
             </a:r>
           </a:p>
           <a:p>
@@ -6631,6 +6666,35 @@
           </a:prstGeom>
         </p:spPr>
       </p:pic>
+      <p:sp>
+        <p:nvSpPr>
+          <p:cNvPr id="5" name="TextBox 4"/>
+          <p:cNvSpPr txBox="1"/>
+          <p:nvPr/>
+        </p:nvSpPr>
+        <p:spPr>
+          <a:xfrm>
+            <a:off x="0" y="6492240"/>
+            <a:ext cx="685800" cy="369332"/>
+          </a:xfrm>
+          <a:prstGeom prst="rect">
+            <a:avLst/>
+          </a:prstGeom>
+          <a:noFill/>
+        </p:spPr>
+        <p:txBody>
+          <a:bodyPr wrap="square" rtlCol="0">
+            <a:spAutoFit/>
+          </a:bodyPr>
+          <a:lstStyle/>
+          <a:p>
+            <a:r>
+              <a:rPr lang="en-GB" dirty="0"/>
+              <a:t>CK</a:t>
+            </a:r>
+          </a:p>
+        </p:txBody>
+      </p:sp>
     </p:spTree>
     <p:extLst>
       <p:ext uri="{BB962C8B-B14F-4D97-AF65-F5344CB8AC3E}">
@@ -6678,7 +6742,7 @@
           <a:p>
             <a:r>
               <a:rPr lang="en-GB" dirty="0"/>
-              <a:t>Unique Selling Point</a:t>
+              <a:t>Gameplay</a:t>
             </a:r>
           </a:p>
         </p:txBody>
@@ -6698,9 +6762,65 @@
           <a:bodyPr/>
           <a:lstStyle/>
           <a:p>
+            <a:endParaRPr lang="en-GB" dirty="0"/>
+          </a:p>
+          <a:p>
             <a:r>
               <a:rPr lang="en-GB" dirty="0"/>
-              <a:t>[This slide needs to be completed]</a:t>
+              <a:t>Changing environment</a:t>
+            </a:r>
+          </a:p>
+          <a:p>
+            <a:endParaRPr lang="en-GB" dirty="0"/>
+          </a:p>
+          <a:p>
+            <a:endParaRPr lang="en-GB" dirty="0"/>
+          </a:p>
+          <a:p>
+            <a:r>
+              <a:rPr lang="en-GB" dirty="0"/>
+              <a:t>Multiple balls to choose from</a:t>
+            </a:r>
+          </a:p>
+          <a:p>
+            <a:endParaRPr lang="en-GB" dirty="0"/>
+          </a:p>
+          <a:p>
+            <a:endParaRPr lang="en-GB" dirty="0"/>
+          </a:p>
+          <a:p>
+            <a:r>
+              <a:rPr lang="en-GB" dirty="0"/>
+              <a:t>Balls affect either player</a:t>
+            </a:r>
+          </a:p>
+        </p:txBody>
+      </p:sp>
+      <p:sp>
+        <p:nvSpPr>
+          <p:cNvPr id="4" name="TextBox 3"/>
+          <p:cNvSpPr txBox="1"/>
+          <p:nvPr/>
+        </p:nvSpPr>
+        <p:spPr>
+          <a:xfrm>
+            <a:off x="0" y="6492240"/>
+            <a:ext cx="685800" cy="369332"/>
+          </a:xfrm>
+          <a:prstGeom prst="rect">
+            <a:avLst/>
+          </a:prstGeom>
+          <a:noFill/>
+        </p:spPr>
+        <p:txBody>
+          <a:bodyPr wrap="square" rtlCol="0">
+            <a:spAutoFit/>
+          </a:bodyPr>
+          <a:lstStyle/>
+          <a:p>
+            <a:r>
+              <a:rPr lang="en-GB" dirty="0"/>
+              <a:t>JB</a:t>
             </a:r>
           </a:p>
         </p:txBody>
@@ -6708,7 +6828,7 @@
     </p:spTree>
     <p:extLst>
       <p:ext uri="{BB962C8B-B14F-4D97-AF65-F5344CB8AC3E}">
-        <p14:creationId xmlns:p14="http://schemas.microsoft.com/office/powerpoint/2010/main" val="2913437784"/>
+        <p14:creationId xmlns:p14="http://schemas.microsoft.com/office/powerpoint/2010/main" val="1562784206"/>
       </p:ext>
     </p:extLst>
   </p:cSld>
@@ -6752,6 +6872,107 @@
           <a:p>
             <a:r>
               <a:rPr lang="en-GB" dirty="0"/>
+              <a:t>Unique Selling Point</a:t>
+            </a:r>
+          </a:p>
+        </p:txBody>
+      </p:sp>
+      <p:sp>
+        <p:nvSpPr>
+          <p:cNvPr id="3" name="Content Placeholder 2"/>
+          <p:cNvSpPr>
+            <a:spLocks noGrp="1"/>
+          </p:cNvSpPr>
+          <p:nvPr>
+            <p:ph idx="1"/>
+          </p:nvPr>
+        </p:nvSpPr>
+        <p:spPr/>
+        <p:txBody>
+          <a:bodyPr/>
+          <a:lstStyle/>
+          <a:p>
+            <a:endParaRPr lang="en-GB" dirty="0"/>
+          </a:p>
+          <a:p>
+            <a:r>
+              <a:rPr lang="en-GB" dirty="0"/>
+              <a:t>Dynamic environment which effects physics</a:t>
+            </a:r>
+          </a:p>
+          <a:p>
+            <a:endParaRPr lang="en-GB" dirty="0"/>
+          </a:p>
+          <a:p>
+            <a:r>
+              <a:rPr lang="en-GB" dirty="0"/>
+              <a:t>Mechanic can be used offensive or defensively</a:t>
+            </a:r>
+          </a:p>
+          <a:p>
+            <a:endParaRPr lang="en-GB" dirty="0"/>
+          </a:p>
+          <a:p>
+            <a:r>
+              <a:rPr lang="en-GB" dirty="0"/>
+              <a:t>Mixture of strategy and skill</a:t>
+            </a:r>
+          </a:p>
+          <a:p>
+            <a:endParaRPr lang="en-GB" dirty="0"/>
+          </a:p>
+          <a:p>
+            <a:endParaRPr lang="en-GB" dirty="0"/>
+          </a:p>
+        </p:txBody>
+      </p:sp>
+    </p:spTree>
+    <p:extLst>
+      <p:ext uri="{BB962C8B-B14F-4D97-AF65-F5344CB8AC3E}">
+        <p14:creationId xmlns:p14="http://schemas.microsoft.com/office/powerpoint/2010/main" val="2913437784"/>
+      </p:ext>
+    </p:extLst>
+  </p:cSld>
+  <p:clrMapOvr>
+    <a:masterClrMapping/>
+  </p:clrMapOvr>
+</p:sld>
+</file>
+
+<file path=ppt/slides/slide7.xml><?xml version="1.0" encoding="utf-8"?>
+<p:sld xmlns:a="http://schemas.openxmlformats.org/drawingml/2006/main" xmlns:r="http://schemas.openxmlformats.org/officeDocument/2006/relationships" xmlns:p="http://schemas.openxmlformats.org/presentationml/2006/main">
+  <p:cSld>
+    <p:spTree>
+      <p:nvGrpSpPr>
+        <p:cNvPr id="1" name=""/>
+        <p:cNvGrpSpPr/>
+        <p:nvPr/>
+      </p:nvGrpSpPr>
+      <p:grpSpPr>
+        <a:xfrm>
+          <a:off x="0" y="0"/>
+          <a:ext cx="0" cy="0"/>
+          <a:chOff x="0" y="0"/>
+          <a:chExt cx="0" cy="0"/>
+        </a:xfrm>
+      </p:grpSpPr>
+      <p:sp>
+        <p:nvSpPr>
+          <p:cNvPr id="2" name="Title 1"/>
+          <p:cNvSpPr>
+            <a:spLocks noGrp="1"/>
+          </p:cNvSpPr>
+          <p:nvPr>
+            <p:ph type="title"/>
+          </p:nvPr>
+        </p:nvSpPr>
+        <p:spPr/>
+        <p:txBody>
+          <a:bodyPr/>
+          <a:lstStyle/>
+          <a:p>
+            <a:r>
+              <a:rPr lang="en-GB" dirty="0"/>
               <a:t>Art style</a:t>
             </a:r>
           </a:p>
@@ -6781,11 +7002,70 @@
         </p:blipFill>
         <p:spPr>
           <a:xfrm>
-            <a:off x="3350938" y="1993220"/>
+            <a:off x="913795" y="2130380"/>
             <a:ext cx="5741856" cy="4059237"/>
           </a:xfrm>
         </p:spPr>
       </p:pic>
+      <p:pic>
+        <p:nvPicPr>
+          <p:cNvPr id="3" name="Picture 2"/>
+          <p:cNvPicPr>
+            <a:picLocks noChangeAspect="1"/>
+          </p:cNvPicPr>
+          <p:nvPr/>
+        </p:nvPicPr>
+        <p:blipFill>
+          <a:blip r:embed="rId3">
+            <a:extLst>
+              <a:ext uri="{28A0092B-C50C-407E-A947-70E740481C1C}">
+                <a14:useLocalDpi xmlns:a14="http://schemas.microsoft.com/office/drawing/2010/main" val="0"/>
+              </a:ext>
+            </a:extLst>
+          </a:blip>
+          <a:stretch>
+            <a:fillRect/>
+          </a:stretch>
+        </p:blipFill>
+        <p:spPr>
+          <a:xfrm>
+            <a:off x="7797629" y="1796188"/>
+            <a:ext cx="3076705" cy="4727620"/>
+          </a:xfrm>
+          <a:prstGeom prst="rect">
+            <a:avLst/>
+          </a:prstGeom>
+        </p:spPr>
+      </p:pic>
+      <p:sp>
+        <p:nvSpPr>
+          <p:cNvPr id="5" name="TextBox 4"/>
+          <p:cNvSpPr txBox="1"/>
+          <p:nvPr/>
+        </p:nvSpPr>
+        <p:spPr>
+          <a:xfrm>
+            <a:off x="0" y="6492240"/>
+            <a:ext cx="1225296" cy="369332"/>
+          </a:xfrm>
+          <a:prstGeom prst="rect">
+            <a:avLst/>
+          </a:prstGeom>
+          <a:noFill/>
+        </p:spPr>
+        <p:txBody>
+          <a:bodyPr wrap="square" rtlCol="0">
+            <a:spAutoFit/>
+          </a:bodyPr>
+          <a:lstStyle/>
+          <a:p>
+            <a:r>
+              <a:rPr lang="en-GB" dirty="0"/>
+              <a:t>CK &amp; CW</a:t>
+            </a:r>
+          </a:p>
+        </p:txBody>
+      </p:sp>
     </p:spTree>
     <p:extLst>
       <p:ext uri="{BB962C8B-B14F-4D97-AF65-F5344CB8AC3E}">

--- a/Presentations/FirstPresentation.pptx
+++ b/Presentations/FirstPresentation.pptx
@@ -12,6 +12,7 @@
     <p:sldId id="262" r:id="rId6"/>
     <p:sldId id="260" r:id="rId7"/>
     <p:sldId id="261" r:id="rId8"/>
+    <p:sldId id="263" r:id="rId9"/>
   </p:sldIdLst>
   <p:sldSz cx="12192000" cy="6858000"/>
   <p:notesSz cx="6858000" cy="9144000"/>
@@ -6275,6 +6276,35 @@
           </a:extLst>
         </p:spPr>
       </p:pic>
+      <p:sp>
+        <p:nvSpPr>
+          <p:cNvPr id="5" name="TextBox 4"/>
+          <p:cNvSpPr txBox="1"/>
+          <p:nvPr/>
+        </p:nvSpPr>
+        <p:spPr>
+          <a:xfrm>
+            <a:off x="0" y="6492240"/>
+            <a:ext cx="685800" cy="369332"/>
+          </a:xfrm>
+          <a:prstGeom prst="rect">
+            <a:avLst/>
+          </a:prstGeom>
+          <a:noFill/>
+        </p:spPr>
+        <p:txBody>
+          <a:bodyPr wrap="square" rtlCol="0">
+            <a:spAutoFit/>
+          </a:bodyPr>
+          <a:lstStyle/>
+          <a:p>
+            <a:r>
+              <a:rPr lang="en-GB" dirty="0"/>
+              <a:t>IC</a:t>
+            </a:r>
+          </a:p>
+        </p:txBody>
+      </p:sp>
     </p:spTree>
     <p:extLst>
       <p:ext uri="{BB962C8B-B14F-4D97-AF65-F5344CB8AC3E}">
@@ -6452,7 +6482,7 @@
           <a:graphicData uri="http://schemas.openxmlformats.org/presentationml/2006/ole">
             <mc:AlternateContent xmlns:mc="http://schemas.openxmlformats.org/markup-compatibility/2006">
               <mc:Choice xmlns:v="urn:schemas-microsoft-com:vml" Requires="v">
-                <p:oleObj spid="_x0000_s2071" name="Image" r:id="rId3" imgW="5079240" imgH="2856960" progId="Photoshop.Image.13">
+                <p:oleObj spid="_x0000_s2082" name="Image" r:id="rId3" imgW="5079240" imgH="2856960" progId="Photoshop.Image.13">
                   <p:embed/>
                 </p:oleObj>
               </mc:Choice>
@@ -6825,6 +6855,47 @@
           </a:p>
         </p:txBody>
       </p:sp>
+      <p:pic>
+        <p:nvPicPr>
+          <p:cNvPr id="4098" name="Picture 2" descr="Image result for physics"/>
+          <p:cNvPicPr>
+            <a:picLocks noChangeAspect="1" noChangeArrowheads="1"/>
+          </p:cNvPicPr>
+          <p:nvPr/>
+        </p:nvPicPr>
+        <p:blipFill>
+          <a:blip r:embed="rId2">
+            <a:extLst>
+              <a:ext uri="{28A0092B-C50C-407E-A947-70E740481C1C}">
+                <a14:useLocalDpi xmlns:a14="http://schemas.microsoft.com/office/drawing/2010/main" val="0"/>
+              </a:ext>
+            </a:extLst>
+          </a:blip>
+          <a:srcRect/>
+          <a:stretch>
+            <a:fillRect/>
+          </a:stretch>
+        </p:blipFill>
+        <p:spPr bwMode="auto">
+          <a:xfrm>
+            <a:off x="5243210" y="1982574"/>
+            <a:ext cx="6326220" cy="3558499"/>
+          </a:xfrm>
+          <a:prstGeom prst="rect">
+            <a:avLst/>
+          </a:prstGeom>
+          <a:noFill/>
+          <a:extLst>
+            <a:ext uri="{909E8E84-426E-40DD-AFC4-6F175D3DCCD1}">
+              <a14:hiddenFill xmlns:a14="http://schemas.microsoft.com/office/drawing/2010/main">
+                <a:solidFill>
+                  <a:srgbClr val="FFFFFF"/>
+                </a:solidFill>
+              </a14:hiddenFill>
+            </a:ext>
+          </a:extLst>
+        </p:spPr>
+      </p:pic>
     </p:spTree>
     <p:extLst>
       <p:ext uri="{BB962C8B-B14F-4D97-AF65-F5344CB8AC3E}">
@@ -6904,6 +6975,9 @@
             <a:endParaRPr lang="en-GB" dirty="0"/>
           </a:p>
           <a:p>
+            <a:endParaRPr lang="en-GB" dirty="0"/>
+          </a:p>
+          <a:p>
             <a:r>
               <a:rPr lang="en-GB" dirty="0"/>
               <a:t>Mechanic can be used offensive or defensively</a:t>
@@ -6913,6 +6987,9 @@
             <a:endParaRPr lang="en-GB" dirty="0"/>
           </a:p>
           <a:p>
+            <a:endParaRPr lang="en-GB" dirty="0"/>
+          </a:p>
+          <a:p>
             <a:r>
               <a:rPr lang="en-GB" dirty="0"/>
               <a:t>Mixture of strategy and skill</a:t>
@@ -6923,6 +7000,76 @@
           </a:p>
           <a:p>
             <a:endParaRPr lang="en-GB" dirty="0"/>
+          </a:p>
+        </p:txBody>
+      </p:sp>
+      <p:pic>
+        <p:nvPicPr>
+          <p:cNvPr id="3074" name="Picture 2" descr="Image result for unique selling point"/>
+          <p:cNvPicPr>
+            <a:picLocks noChangeAspect="1" noChangeArrowheads="1"/>
+          </p:cNvPicPr>
+          <p:nvPr/>
+        </p:nvPicPr>
+        <p:blipFill>
+          <a:blip r:embed="rId2">
+            <a:extLst>
+              <a:ext uri="{28A0092B-C50C-407E-A947-70E740481C1C}">
+                <a14:useLocalDpi xmlns:a14="http://schemas.microsoft.com/office/drawing/2010/main" val="0"/>
+              </a:ext>
+            </a:extLst>
+          </a:blip>
+          <a:srcRect/>
+          <a:stretch>
+            <a:fillRect/>
+          </a:stretch>
+        </p:blipFill>
+        <p:spPr bwMode="auto">
+          <a:xfrm>
+            <a:off x="6848271" y="2432455"/>
+            <a:ext cx="4788845" cy="3192563"/>
+          </a:xfrm>
+          <a:prstGeom prst="rect">
+            <a:avLst/>
+          </a:prstGeom>
+          <a:noFill/>
+          <a:extLst>
+            <a:ext uri="{909E8E84-426E-40DD-AFC4-6F175D3DCCD1}">
+              <a14:hiddenFill xmlns:a14="http://schemas.microsoft.com/office/drawing/2010/main">
+                <a:solidFill>
+                  <a:srgbClr val="FFFFFF"/>
+                </a:solidFill>
+              </a14:hiddenFill>
+            </a:ext>
+          </a:extLst>
+        </p:spPr>
+      </p:pic>
+      <p:sp>
+        <p:nvSpPr>
+          <p:cNvPr id="5" name="TextBox 4"/>
+          <p:cNvSpPr txBox="1"/>
+          <p:nvPr/>
+        </p:nvSpPr>
+        <p:spPr>
+          <a:xfrm>
+            <a:off x="0" y="6492240"/>
+            <a:ext cx="685800" cy="369332"/>
+          </a:xfrm>
+          <a:prstGeom prst="rect">
+            <a:avLst/>
+          </a:prstGeom>
+          <a:noFill/>
+        </p:spPr>
+        <p:txBody>
+          <a:bodyPr wrap="square" rtlCol="0">
+            <a:spAutoFit/>
+          </a:bodyPr>
+          <a:lstStyle/>
+          <a:p>
+            <a:r>
+              <a:rPr lang="en-GB" dirty="0"/>
+              <a:t>IC</a:t>
+            </a:r>
           </a:p>
         </p:txBody>
       </p:sp>
@@ -7070,6 +7217,63 @@
     <p:extLst>
       <p:ext uri="{BB962C8B-B14F-4D97-AF65-F5344CB8AC3E}">
         <p14:creationId xmlns:p14="http://schemas.microsoft.com/office/powerpoint/2010/main" val="4294645890"/>
+      </p:ext>
+    </p:extLst>
+  </p:cSld>
+  <p:clrMapOvr>
+    <a:masterClrMapping/>
+  </p:clrMapOvr>
+</p:sld>
+</file>
+
+<file path=ppt/slides/slide8.xml><?xml version="1.0" encoding="utf-8"?>
+<p:sld xmlns:a="http://schemas.openxmlformats.org/drawingml/2006/main" xmlns:r="http://schemas.openxmlformats.org/officeDocument/2006/relationships" xmlns:p="http://schemas.openxmlformats.org/presentationml/2006/main">
+  <p:cSld>
+    <p:spTree>
+      <p:nvGrpSpPr>
+        <p:cNvPr id="1" name=""/>
+        <p:cNvGrpSpPr/>
+        <p:nvPr/>
+      </p:nvGrpSpPr>
+      <p:grpSpPr>
+        <a:xfrm>
+          <a:off x="0" y="0"/>
+          <a:ext cx="0" cy="0"/>
+          <a:chOff x="0" y="0"/>
+          <a:chExt cx="0" cy="0"/>
+        </a:xfrm>
+      </p:grpSpPr>
+      <p:sp>
+        <p:nvSpPr>
+          <p:cNvPr id="2" name="Title 1"/>
+          <p:cNvSpPr>
+            <a:spLocks noGrp="1"/>
+          </p:cNvSpPr>
+          <p:nvPr>
+            <p:ph type="title"/>
+          </p:nvPr>
+        </p:nvSpPr>
+        <p:spPr>
+          <a:xfrm>
+            <a:off x="913795" y="2749296"/>
+            <a:ext cx="10353762" cy="970450"/>
+          </a:xfrm>
+        </p:spPr>
+        <p:txBody>
+          <a:bodyPr/>
+          <a:lstStyle/>
+          <a:p>
+            <a:r>
+              <a:rPr lang="en-GB" dirty="0"/>
+              <a:t>Questions?</a:t>
+            </a:r>
+          </a:p>
+        </p:txBody>
+      </p:sp>
+    </p:spTree>
+    <p:extLst>
+      <p:ext uri="{BB962C8B-B14F-4D97-AF65-F5344CB8AC3E}">
+        <p14:creationId xmlns:p14="http://schemas.microsoft.com/office/powerpoint/2010/main" val="1034495763"/>
       </p:ext>
     </p:extLst>
   </p:cSld>
